--- a/Documents/Build2.pptx
+++ b/Documents/Build2.pptx
@@ -12,6 +12,7 @@
     <p:sldId id="257" r:id="rId5"/>
     <p:sldId id="258" r:id="rId6"/>
     <p:sldId id="259" r:id="rId7"/>
+    <p:sldId id="260" r:id="rId8"/>
   </p:sldIdLst>
   <p:sldSz cx="12192000" cy="6858000"/>
   <p:notesSz cx="6858000" cy="9144000"/>
@@ -230,7 +231,7 @@
           <a:bodyPr lIns="0" rIns="0" tIns="0" bIns="0" anchor="b"/>
           <a:p>
             <a:pPr algn="r"/>
-            <a:fld id="{6064ABAA-8259-40C5-BE03-F5560419411B}" type="slidenum">
+            <a:fld id="{F3EEE534-496E-4157-9AE8-6D2FEAF5BF19}" type="slidenum">
               <a:rPr b="0" lang="en-US" sz="1400" spc="-1" strike="noStrike">
                 <a:latin typeface="Times New Roman"/>
               </a:rPr>
@@ -267,7 +268,7 @@
       </p:grpSpPr>
       <p:sp>
         <p:nvSpPr>
-          <p:cNvPr id="58" name="PlaceHolder 1"/>
+          <p:cNvPr id="61" name="PlaceHolder 1"/>
           <p:cNvSpPr>
             <a:spLocks noGrp="1"/>
           </p:cNvSpPr>
@@ -278,16 +279,16 @@
         <p:spPr>
           <a:xfrm>
             <a:off x="685800" y="1143000"/>
-            <a:ext cx="5485320" cy="3085200"/>
-          </a:xfrm>
-          <a:prstGeom prst="rect">
-            <a:avLst/>
-          </a:prstGeom>
-        </p:spPr>
-      </p:sp>
-      <p:sp>
-        <p:nvSpPr>
-          <p:cNvPr id="59" name="PlaceHolder 2"/>
+            <a:ext cx="5484960" cy="3084840"/>
+          </a:xfrm>
+          <a:prstGeom prst="rect">
+            <a:avLst/>
+          </a:prstGeom>
+        </p:spPr>
+      </p:sp>
+      <p:sp>
+        <p:nvSpPr>
+          <p:cNvPr id="62" name="PlaceHolder 2"/>
           <p:cNvSpPr>
             <a:spLocks noGrp="1"/>
           </p:cNvSpPr>
@@ -298,7 +299,7 @@
         <p:spPr>
           <a:xfrm>
             <a:off x="685800" y="4400640"/>
-            <a:ext cx="5485320" cy="3599280"/>
+            <a:ext cx="5484960" cy="3598920"/>
           </a:xfrm>
           <a:prstGeom prst="rect">
             <a:avLst/>
@@ -315,14 +316,14 @@
       </p:sp>
       <p:sp>
         <p:nvSpPr>
-          <p:cNvPr id="60" name="CustomShape 3"/>
+          <p:cNvPr id="63" name="CustomShape 3"/>
           <p:cNvSpPr/>
           <p:nvPr/>
         </p:nvSpPr>
         <p:spPr>
           <a:xfrm>
             <a:off x="3884760" y="8685360"/>
-            <a:ext cx="2970720" cy="457560"/>
+            <a:ext cx="2970360" cy="457200"/>
           </a:xfrm>
           <a:prstGeom prst="rect">
             <a:avLst/>
@@ -346,7 +347,7 @@
                 <a:spcPct val="100000"/>
               </a:lnSpc>
             </a:pPr>
-            <a:fld id="{A041DEB7-DE1D-4C56-8342-5D22975853C8}" type="slidenum">
+            <a:fld id="{E54909B1-3959-46E7-A155-65044E6388CE}" type="slidenum">
               <a:rPr b="0" lang="en-US" sz="1200" spc="-1" strike="noStrike">
                 <a:solidFill>
                   <a:srgbClr val="000000"/>
@@ -1749,13 +1750,19 @@
               <a:rPr b="0" lang="en-US" sz="4400" spc="-1" strike="noStrike">
                 <a:latin typeface="Arial"/>
               </a:rPr>
-              <a:t>Click to edit </a:t>
+              <a:t>Click to </a:t>
             </a:r>
             <a:r>
               <a:rPr b="0" lang="en-US" sz="4400" spc="-1" strike="noStrike">
                 <a:latin typeface="Arial"/>
               </a:rPr>
-              <a:t>the title text </a:t>
+              <a:t>edit the </a:t>
+            </a:r>
+            <a:r>
+              <a:rPr b="0" lang="en-US" sz="4400" spc="-1" strike="noStrike">
+                <a:latin typeface="Arial"/>
+              </a:rPr>
+              <a:t>title text </a:t>
             </a:r>
             <a:r>
               <a:rPr b="0" lang="en-US" sz="4400" spc="-1" strike="noStrike">
@@ -2001,7 +2008,7 @@
         <p:spPr>
           <a:xfrm>
             <a:off x="0" y="0"/>
-            <a:ext cx="12191040" cy="6856920"/>
+            <a:ext cx="12190680" cy="6856560"/>
           </a:xfrm>
           <a:prstGeom prst="rect">
             <a:avLst/>
@@ -2040,7 +2047,7 @@
         <p:spPr>
           <a:xfrm>
             <a:off x="6233040" y="1414440"/>
-            <a:ext cx="5538240" cy="2887920"/>
+            <a:ext cx="5537880" cy="2887560"/>
           </a:xfrm>
           <a:prstGeom prst="rect">
             <a:avLst/>
@@ -2090,8 +2097,8 @@
         </p:nvSpPr>
         <p:spPr>
           <a:xfrm flipH="1">
-            <a:off x="-720" y="0"/>
-            <a:ext cx="6171840" cy="6856920"/>
+            <a:off x="-1440" y="0"/>
+            <a:ext cx="6171480" cy="6856560"/>
           </a:xfrm>
           <a:custGeom>
             <a:avLst/>
@@ -2162,7 +2169,7 @@
         <p:spPr>
           <a:xfrm>
             <a:off x="0" y="0"/>
-            <a:ext cx="6023160" cy="6856920"/>
+            <a:ext cx="6022800" cy="6856560"/>
           </a:xfrm>
           <a:custGeom>
             <a:avLst/>
@@ -2235,7 +2242,7 @@
         <p:spPr>
           <a:xfrm>
             <a:off x="419400" y="721080"/>
-            <a:ext cx="4046760" cy="4046760"/>
+            <a:ext cx="4046400" cy="4046400"/>
           </a:xfrm>
           <a:prstGeom prst="rect">
             <a:avLst/>
@@ -2310,7 +2317,7 @@
         <p:spPr>
           <a:xfrm>
             <a:off x="336960" y="311400"/>
-            <a:ext cx="4331160" cy="6178320"/>
+            <a:ext cx="4330800" cy="6177960"/>
           </a:xfrm>
           <a:prstGeom prst="rect">
             <a:avLst/>
@@ -2349,7 +2356,7 @@
         <p:spPr>
           <a:xfrm>
             <a:off x="743040" y="743040"/>
-            <a:ext cx="3475440" cy="4961520"/>
+            <a:ext cx="3475080" cy="4961160"/>
           </a:xfrm>
           <a:prstGeom prst="rect">
             <a:avLst/>
@@ -2400,7 +2407,7 @@
         <p:spPr>
           <a:xfrm>
             <a:off x="4884480" y="1280160"/>
-            <a:ext cx="7269480" cy="3978000"/>
+            <a:ext cx="7269120" cy="3977640"/>
           </a:xfrm>
           <a:prstGeom prst="rect">
             <a:avLst/>
@@ -2421,7 +2428,7 @@
             <a:normAutofit/>
           </a:bodyPr>
           <a:p>
-            <a:pPr marL="228600" indent="-227520">
+            <a:pPr marL="228600" indent="-227160">
               <a:lnSpc>
                 <a:spcPct val="90000"/>
               </a:lnSpc>
@@ -2449,7 +2456,7 @@
             </a:endParaRPr>
           </a:p>
           <a:p>
-            <a:pPr marL="228600" indent="-227520">
+            <a:pPr marL="228600" indent="-227160">
               <a:lnSpc>
                 <a:spcPct val="90000"/>
               </a:lnSpc>
@@ -2477,7 +2484,7 @@
             </a:endParaRPr>
           </a:p>
           <a:p>
-            <a:pPr marL="228600" indent="-227520">
+            <a:pPr marL="228600" indent="-227160">
               <a:lnSpc>
                 <a:spcPct val="90000"/>
               </a:lnSpc>
@@ -2505,7 +2512,7 @@
             </a:endParaRPr>
           </a:p>
           <a:p>
-            <a:pPr marL="228600" indent="-227520">
+            <a:pPr marL="228600" indent="-227160">
               <a:lnSpc>
                 <a:spcPct val="90000"/>
               </a:lnSpc>
@@ -2533,7 +2540,7 @@
             </a:endParaRPr>
           </a:p>
           <a:p>
-            <a:pPr marL="228600" indent="-227520">
+            <a:pPr marL="228600" indent="-227160">
               <a:lnSpc>
                 <a:spcPct val="90000"/>
               </a:lnSpc>
@@ -2561,7 +2568,7 @@
             </a:endParaRPr>
           </a:p>
           <a:p>
-            <a:pPr marL="228600" indent="-227520">
+            <a:pPr marL="228600" indent="-227160">
               <a:lnSpc>
                 <a:spcPct val="90000"/>
               </a:lnSpc>
@@ -2655,7 +2662,7 @@
         <p:spPr>
           <a:xfrm>
             <a:off x="336960" y="311400"/>
-            <a:ext cx="4331160" cy="6178320"/>
+            <a:ext cx="4330800" cy="6177960"/>
           </a:xfrm>
           <a:prstGeom prst="rect">
             <a:avLst/>
@@ -2694,7 +2701,7 @@
         <p:spPr>
           <a:xfrm>
             <a:off x="599040" y="743040"/>
-            <a:ext cx="3925080" cy="4961520"/>
+            <a:ext cx="3924720" cy="4961160"/>
           </a:xfrm>
           <a:prstGeom prst="rect">
             <a:avLst/>
@@ -2749,7 +2756,7 @@
         <p:spPr>
           <a:xfrm>
             <a:off x="5754960" y="492480"/>
-            <a:ext cx="5350320" cy="5879880"/>
+            <a:ext cx="5349960" cy="5879520"/>
           </a:xfrm>
           <a:prstGeom prst="rect">
             <a:avLst/>
@@ -2823,8 +2830,8 @@
         </p:nvSpPr>
         <p:spPr>
           <a:xfrm rot="33600">
-            <a:off x="305640" y="324720"/>
-            <a:ext cx="2954160" cy="6177960"/>
+            <a:off x="305280" y="324360"/>
+            <a:ext cx="2953800" cy="6177600"/>
           </a:xfrm>
           <a:prstGeom prst="rect">
             <a:avLst/>
@@ -2863,7 +2870,7 @@
         <p:spPr>
           <a:xfrm>
             <a:off x="347040" y="743040"/>
-            <a:ext cx="2852640" cy="4961520"/>
+            <a:ext cx="2852280" cy="4961160"/>
           </a:xfrm>
           <a:prstGeom prst="rect">
             <a:avLst/>
@@ -2917,8 +2924,8 @@
         </p:blipFill>
         <p:spPr>
           <a:xfrm>
-            <a:off x="2809440" y="-618120"/>
-            <a:ext cx="9316080" cy="7204680"/>
+            <a:off x="3474720" y="-456840"/>
+            <a:ext cx="8658000" cy="6857640"/>
           </a:xfrm>
           <a:prstGeom prst="rect">
             <a:avLst/>
@@ -2937,6 +2944,175 @@
           <p:childTnLst>
             <p:seq>
               <p:cTn id="8" dur="indefinite" nodeType="mainSeq"/>
+              <p:prevCondLst>
+                <p:cond delay="0" evt="onPrev">
+                  <p:tgtEl>
+                    <p:sldTgt/>
+                  </p:tgtEl>
+                </p:cond>
+              </p:prevCondLst>
+              <p:nextCondLst>
+                <p:cond delay="0" evt="onNext">
+                  <p:tgtEl>
+                    <p:sldTgt/>
+                  </p:tgtEl>
+                </p:cond>
+              </p:nextCondLst>
+            </p:seq>
+          </p:childTnLst>
+        </p:cTn>
+      </p:par>
+    </p:tnLst>
+  </p:timing>
+</p:sld>
+</file>
+
+<file path=ppt/slides/slide5.xml><?xml version="1.0" encoding="utf-8"?>
+<p:sld xmlns:a="http://schemas.openxmlformats.org/drawingml/2006/main" xmlns:p="http://schemas.openxmlformats.org/presentationml/2006/main" xmlns:r="http://schemas.openxmlformats.org/officeDocument/2006/relationships" xmlns:p14="http://schemas.microsoft.com/office/powerpoint/2010/main" xmlns:p15="http://schemas.microsoft.com/office/powerpoint/2012/main" xmlns:mc="http://schemas.openxmlformats.org/markup-compatibility/2006">
+  <p:cSld>
+    <p:bg>
+      <p:bgPr>
+        <a:solidFill>
+          <a:srgbClr val="ffffff"/>
+        </a:solidFill>
+      </p:bgPr>
+    </p:bg>
+    <p:spTree>
+      <p:nvGrpSpPr>
+        <p:cNvPr id="1" name=""/>
+        <p:cNvGrpSpPr/>
+        <p:nvPr/>
+      </p:nvGrpSpPr>
+      <p:grpSpPr>
+        <a:xfrm>
+          <a:off x="0" y="0"/>
+          <a:ext cx="0" cy="0"/>
+          <a:chOff x="0" y="0"/>
+          <a:chExt cx="0" cy="0"/>
+        </a:xfrm>
+      </p:grpSpPr>
+      <p:sp>
+        <p:nvSpPr>
+          <p:cNvPr id="58" name="CustomShape 1"/>
+          <p:cNvSpPr/>
+          <p:nvPr/>
+        </p:nvSpPr>
+        <p:spPr>
+          <a:xfrm rot="33600">
+            <a:off x="305280" y="324360"/>
+            <a:ext cx="2953800" cy="6177600"/>
+          </a:xfrm>
+          <a:prstGeom prst="rect">
+            <a:avLst/>
+          </a:prstGeom>
+          <a:solidFill>
+            <a:srgbClr val="404040"/>
+          </a:solidFill>
+          <a:ln w="127080">
+            <a:solidFill>
+              <a:srgbClr val="404040"/>
+            </a:solidFill>
+            <a:round/>
+          </a:ln>
+        </p:spPr>
+        <p:style>
+          <a:lnRef idx="2">
+            <a:schemeClr val="accent1">
+              <a:shade val="50000"/>
+            </a:schemeClr>
+          </a:lnRef>
+          <a:fillRef idx="1">
+            <a:schemeClr val="accent1"/>
+          </a:fillRef>
+          <a:effectRef idx="0">
+            <a:schemeClr val="accent1"/>
+          </a:effectRef>
+          <a:fontRef idx="minor"/>
+        </p:style>
+      </p:sp>
+      <p:sp>
+        <p:nvSpPr>
+          <p:cNvPr id="59" name="CustomShape 2"/>
+          <p:cNvSpPr/>
+          <p:nvPr/>
+        </p:nvSpPr>
+        <p:spPr>
+          <a:xfrm>
+            <a:off x="347040" y="743040"/>
+            <a:ext cx="2852280" cy="4961160"/>
+          </a:xfrm>
+          <a:prstGeom prst="rect">
+            <a:avLst/>
+          </a:prstGeom>
+          <a:noFill/>
+          <a:ln>
+            <a:noFill/>
+          </a:ln>
+        </p:spPr>
+        <p:style>
+          <a:lnRef idx="0"/>
+          <a:fillRef idx="0"/>
+          <a:effectRef idx="0"/>
+          <a:fontRef idx="minor"/>
+        </p:style>
+        <p:txBody>
+          <a:bodyPr lIns="90000" rIns="90000" tIns="45000" bIns="45000" anchor="ctr">
+            <a:normAutofit/>
+          </a:bodyPr>
+          <a:p>
+            <a:pPr algn="ctr">
+              <a:lnSpc>
+                <a:spcPct val="90000"/>
+              </a:lnSpc>
+            </a:pPr>
+            <a:r>
+              <a:rPr b="0" lang="en-US" sz="3200" spc="-1" strike="noStrike">
+                <a:solidFill>
+                  <a:srgbClr val="ffffff"/>
+                </a:solidFill>
+                <a:latin typeface="Calibri Light"/>
+                <a:ea typeface="DejaVu Sans"/>
+              </a:rPr>
+              <a:t>Architecture design</a:t>
+            </a:r>
+            <a:endParaRPr b="0" lang="en-US" sz="3200" spc="-1" strike="noStrike">
+              <a:latin typeface="Arial"/>
+            </a:endParaRPr>
+          </a:p>
+        </p:txBody>
+      </p:sp>
+      <p:pic>
+        <p:nvPicPr>
+          <p:cNvPr id="60" name="" descr=""/>
+          <p:cNvPicPr/>
+          <p:nvPr/>
+        </p:nvPicPr>
+        <p:blipFill>
+          <a:blip r:embed="rId1"/>
+          <a:stretch/>
+        </p:blipFill>
+        <p:spPr>
+          <a:xfrm>
+            <a:off x="3017520" y="120240"/>
+            <a:ext cx="9138240" cy="6372000"/>
+          </a:xfrm>
+          <a:prstGeom prst="rect">
+            <a:avLst/>
+          </a:prstGeom>
+          <a:ln>
+            <a:noFill/>
+          </a:ln>
+        </p:spPr>
+      </p:pic>
+    </p:spTree>
+  </p:cSld>
+  <p:timing>
+    <p:tnLst>
+      <p:par>
+        <p:cTn id="9" dur="indefinite" restart="never" nodeType="tmRoot">
+          <p:childTnLst>
+            <p:seq>
+              <p:cTn id="10" dur="indefinite" nodeType="mainSeq"/>
               <p:prevCondLst>
                 <p:cond delay="0" evt="onPrev">
                   <p:tgtEl>
